--- a/Presentation.pptx
+++ b/Presentation.pptx
@@ -7,6 +7,7 @@
   <p:sldIdLst>
     <p:sldId id="256" r:id="rId2"/>
     <p:sldId id="257" r:id="rId3"/>
+    <p:sldId id="258" r:id="rId4"/>
   </p:sldIdLst>
   <p:sldSz cx="9144000" cy="6858000" type="screen4x3"/>
   <p:notesSz cx="6858000" cy="9144000"/>
@@ -281,7 +282,7 @@
           <a:p>
             <a:fld id="{A77CB325-35BE-490D-9762-04AC27F674C3}" type="datetimeFigureOut">
               <a:rPr lang="en-US" smtClean="0"/>
-              <a:t>11/26/2012</a:t>
+              <a:t>12/1/2012</a:t>
             </a:fld>
             <a:endParaRPr lang="en-US"/>
           </a:p>
@@ -446,7 +447,7 @@
           <a:p>
             <a:fld id="{A77CB325-35BE-490D-9762-04AC27F674C3}" type="datetimeFigureOut">
               <a:rPr lang="en-US" smtClean="0"/>
-              <a:t>11/26/2012</a:t>
+              <a:t>12/1/2012</a:t>
             </a:fld>
             <a:endParaRPr lang="en-US"/>
           </a:p>
@@ -621,7 +622,7 @@
           <a:p>
             <a:fld id="{A77CB325-35BE-490D-9762-04AC27F674C3}" type="datetimeFigureOut">
               <a:rPr lang="en-US" smtClean="0"/>
-              <a:t>11/26/2012</a:t>
+              <a:t>12/1/2012</a:t>
             </a:fld>
             <a:endParaRPr lang="en-US"/>
           </a:p>
@@ -786,7 +787,7 @@
           <a:p>
             <a:fld id="{A77CB325-35BE-490D-9762-04AC27F674C3}" type="datetimeFigureOut">
               <a:rPr lang="en-US" smtClean="0"/>
-              <a:t>11/26/2012</a:t>
+              <a:t>12/1/2012</a:t>
             </a:fld>
             <a:endParaRPr lang="en-US"/>
           </a:p>
@@ -1028,7 +1029,7 @@
           <a:p>
             <a:fld id="{A77CB325-35BE-490D-9762-04AC27F674C3}" type="datetimeFigureOut">
               <a:rPr lang="en-US" smtClean="0"/>
-              <a:t>11/26/2012</a:t>
+              <a:t>12/1/2012</a:t>
             </a:fld>
             <a:endParaRPr lang="en-US"/>
           </a:p>
@@ -1292,7 +1293,7 @@
           <a:p>
             <a:fld id="{A77CB325-35BE-490D-9762-04AC27F674C3}" type="datetimeFigureOut">
               <a:rPr lang="en-US" smtClean="0"/>
-              <a:t>11/26/2012</a:t>
+              <a:t>12/1/2012</a:t>
             </a:fld>
             <a:endParaRPr lang="en-US"/>
           </a:p>
@@ -1670,7 +1671,7 @@
           <a:p>
             <a:fld id="{A77CB325-35BE-490D-9762-04AC27F674C3}" type="datetimeFigureOut">
               <a:rPr lang="en-US" smtClean="0"/>
-              <a:t>11/26/2012</a:t>
+              <a:t>12/1/2012</a:t>
             </a:fld>
             <a:endParaRPr lang="en-US"/>
           </a:p>
@@ -1820,7 +1821,7 @@
           <a:p>
             <a:fld id="{A77CB325-35BE-490D-9762-04AC27F674C3}" type="datetimeFigureOut">
               <a:rPr lang="en-US" smtClean="0"/>
-              <a:t>11/26/2012</a:t>
+              <a:t>12/1/2012</a:t>
             </a:fld>
             <a:endParaRPr lang="en-US"/>
           </a:p>
@@ -1910,7 +1911,7 @@
           <a:p>
             <a:fld id="{A77CB325-35BE-490D-9762-04AC27F674C3}" type="datetimeFigureOut">
               <a:rPr lang="en-US" smtClean="0"/>
-              <a:t>11/26/2012</a:t>
+              <a:t>12/1/2012</a:t>
             </a:fld>
             <a:endParaRPr lang="en-US"/>
           </a:p>
@@ -2171,7 +2172,7 @@
           <a:p>
             <a:fld id="{A77CB325-35BE-490D-9762-04AC27F674C3}" type="datetimeFigureOut">
               <a:rPr lang="en-US" smtClean="0"/>
-              <a:t>11/26/2012</a:t>
+              <a:t>12/1/2012</a:t>
             </a:fld>
             <a:endParaRPr lang="en-US"/>
           </a:p>
@@ -2459,7 +2460,7 @@
           <a:p>
             <a:fld id="{A77CB325-35BE-490D-9762-04AC27F674C3}" type="datetimeFigureOut">
               <a:rPr lang="en-US" smtClean="0"/>
-              <a:t>11/26/2012</a:t>
+              <a:t>12/1/2012</a:t>
             </a:fld>
             <a:endParaRPr lang="en-US"/>
           </a:p>
@@ -3230,7 +3231,7 @@
           <a:p>
             <a:fld id="{A77CB325-35BE-490D-9762-04AC27F674C3}" type="datetimeFigureOut">
               <a:rPr lang="en-US" smtClean="0"/>
-              <a:t>11/26/2012</a:t>
+              <a:t>12/1/2012</a:t>
             </a:fld>
             <a:endParaRPr lang="en-US"/>
           </a:p>
@@ -3951,29 +3952,70 @@
         </p:nvSpPr>
         <p:spPr/>
         <p:txBody>
+          <a:bodyPr>
+            <a:normAutofit/>
+          </a:bodyPr>
+          <a:lstStyle/>
+          <a:p>
+            <a:r>
+              <a:rPr lang="en-CA" dirty="0" smtClean="0"/>
+              <a:t>Our Goal</a:t>
+            </a:r>
+            <a:endParaRPr lang="en-US" dirty="0"/>
+          </a:p>
+        </p:txBody>
+      </p:sp>
+      <p:sp>
+        <p:nvSpPr>
+          <p:cNvPr id="2" name="Content Placeholder 1"/>
+          <p:cNvSpPr>
+            <a:spLocks noGrp="1"/>
+          </p:cNvSpPr>
+          <p:nvPr>
+            <p:ph idx="1"/>
+          </p:nvPr>
+        </p:nvSpPr>
+        <p:spPr/>
+        <p:txBody>
           <a:bodyPr/>
           <a:lstStyle/>
           <a:p>
-            <a:endParaRPr lang="en-US" dirty="0"/>
-          </a:p>
-        </p:txBody>
-      </p:sp>
-      <p:sp>
-        <p:nvSpPr>
-          <p:cNvPr id="2" name="Content Placeholder 1"/>
-          <p:cNvSpPr>
-            <a:spLocks noGrp="1"/>
-          </p:cNvSpPr>
-          <p:nvPr>
-            <p:ph idx="1"/>
-          </p:nvPr>
-        </p:nvSpPr>
-        <p:spPr/>
-        <p:txBody>
-          <a:bodyPr/>
-          <a:lstStyle/>
-          <a:p>
-            <a:endParaRPr lang="en-US" dirty="0"/>
+            <a:r>
+              <a:rPr lang="en-CA" dirty="0" smtClean="0"/>
+              <a:t>Provide a solution </a:t>
+            </a:r>
+            <a:r>
+              <a:rPr lang="en-CA" dirty="0" smtClean="0"/>
+              <a:t>that is</a:t>
+            </a:r>
+          </a:p>
+          <a:p>
+            <a:pPr lvl="1"/>
+            <a:r>
+              <a:rPr lang="en-CA" dirty="0" smtClean="0"/>
+              <a:t>Scalable</a:t>
+            </a:r>
+          </a:p>
+          <a:p>
+            <a:pPr lvl="1"/>
+            <a:r>
+              <a:rPr lang="en-CA" dirty="0" smtClean="0"/>
+              <a:t>Expandable</a:t>
+            </a:r>
+          </a:p>
+          <a:p>
+            <a:pPr lvl="1"/>
+            <a:r>
+              <a:rPr lang="en-CA" dirty="0" smtClean="0"/>
+              <a:t>Maintainable</a:t>
+            </a:r>
+          </a:p>
+          <a:p>
+            <a:pPr lvl="1"/>
+            <a:r>
+              <a:rPr lang="en-CA" dirty="0" smtClean="0"/>
+              <a:t>Cost-effective</a:t>
+            </a:r>
           </a:p>
         </p:txBody>
       </p:sp>
@@ -3981,6 +4023,108 @@
     <p:extLst>
       <p:ext uri="{BB962C8B-B14F-4D97-AF65-F5344CB8AC3E}">
         <p14:creationId xmlns:p14="http://schemas.microsoft.com/office/powerpoint/2010/main" val="4026799835"/>
+      </p:ext>
+    </p:extLst>
+  </p:cSld>
+  <p:clrMapOvr>
+    <a:masterClrMapping/>
+  </p:clrMapOvr>
+</p:sld>
+</file>
+
+<file path=ppt/slides/slide3.xml><?xml version="1.0" encoding="utf-8"?>
+<p:sld xmlns:a="http://schemas.openxmlformats.org/drawingml/2006/main" xmlns:r="http://schemas.openxmlformats.org/officeDocument/2006/relationships" xmlns:p="http://schemas.openxmlformats.org/presentationml/2006/main">
+  <p:cSld>
+    <p:spTree>
+      <p:nvGrpSpPr>
+        <p:cNvPr id="1" name=""/>
+        <p:cNvGrpSpPr/>
+        <p:nvPr/>
+      </p:nvGrpSpPr>
+      <p:grpSpPr>
+        <a:xfrm>
+          <a:off x="0" y="0"/>
+          <a:ext cx="0" cy="0"/>
+          <a:chOff x="0" y="0"/>
+          <a:chExt cx="0" cy="0"/>
+        </a:xfrm>
+      </p:grpSpPr>
+      <p:sp>
+        <p:nvSpPr>
+          <p:cNvPr id="2" name="Title 1"/>
+          <p:cNvSpPr>
+            <a:spLocks noGrp="1"/>
+          </p:cNvSpPr>
+          <p:nvPr>
+            <p:ph type="title"/>
+          </p:nvPr>
+        </p:nvSpPr>
+        <p:spPr/>
+        <p:txBody>
+          <a:bodyPr/>
+          <a:lstStyle/>
+          <a:p>
+            <a:r>
+              <a:rPr lang="en-CA" dirty="0" smtClean="0"/>
+              <a:t>Our Platform</a:t>
+            </a:r>
+            <a:endParaRPr lang="en-US" dirty="0"/>
+          </a:p>
+        </p:txBody>
+      </p:sp>
+      <p:sp>
+        <p:nvSpPr>
+          <p:cNvPr id="3" name="Content Placeholder 2"/>
+          <p:cNvSpPr>
+            <a:spLocks noGrp="1"/>
+          </p:cNvSpPr>
+          <p:nvPr>
+            <p:ph idx="1"/>
+          </p:nvPr>
+        </p:nvSpPr>
+        <p:spPr/>
+        <p:txBody>
+          <a:bodyPr/>
+          <a:lstStyle/>
+          <a:p>
+            <a:r>
+              <a:rPr lang="en-CA" dirty="0" smtClean="0"/>
+              <a:t>ASP.NET MVC 3</a:t>
+            </a:r>
+          </a:p>
+          <a:p>
+            <a:r>
+              <a:rPr lang="en-CA" dirty="0" smtClean="0"/>
+              <a:t>Entity Framework 4.1</a:t>
+            </a:r>
+          </a:p>
+          <a:p>
+            <a:r>
+              <a:rPr lang="en-CA" dirty="0" err="1" smtClean="0"/>
+              <a:t>jqGrid</a:t>
+            </a:r>
+            <a:endParaRPr lang="en-CA" dirty="0" smtClean="0"/>
+          </a:p>
+          <a:p>
+            <a:r>
+              <a:rPr lang="en-CA" dirty="0" err="1" smtClean="0"/>
+              <a:t>Highcharts</a:t>
+            </a:r>
+            <a:endParaRPr lang="en-CA" dirty="0" smtClean="0"/>
+          </a:p>
+          <a:p>
+            <a:r>
+              <a:rPr lang="en-CA" smtClean="0"/>
+              <a:t>Ninject</a:t>
+            </a:r>
+            <a:endParaRPr lang="en-US" dirty="0"/>
+          </a:p>
+        </p:txBody>
+      </p:sp>
+    </p:spTree>
+    <p:extLst>
+      <p:ext uri="{BB962C8B-B14F-4D97-AF65-F5344CB8AC3E}">
+        <p14:creationId xmlns:p14="http://schemas.microsoft.com/office/powerpoint/2010/main" val="1288511295"/>
       </p:ext>
     </p:extLst>
   </p:cSld>

--- a/Presentation.pptx
+++ b/Presentation.pptx
@@ -8,6 +8,7 @@
     <p:sldId id="256" r:id="rId2"/>
     <p:sldId id="257" r:id="rId3"/>
     <p:sldId id="258" r:id="rId4"/>
+    <p:sldId id="259" r:id="rId5"/>
   </p:sldIdLst>
   <p:sldSz cx="9144000" cy="6858000" type="screen4x3"/>
   <p:notesSz cx="6858000" cy="9144000"/>
@@ -282,7 +283,7 @@
           <a:p>
             <a:fld id="{A77CB325-35BE-490D-9762-04AC27F674C3}" type="datetimeFigureOut">
               <a:rPr lang="en-US" smtClean="0"/>
-              <a:t>12/1/2012</a:t>
+              <a:t>12/2/2012</a:t>
             </a:fld>
             <a:endParaRPr lang="en-US"/>
           </a:p>
@@ -447,7 +448,7 @@
           <a:p>
             <a:fld id="{A77CB325-35BE-490D-9762-04AC27F674C3}" type="datetimeFigureOut">
               <a:rPr lang="en-US" smtClean="0"/>
-              <a:t>12/1/2012</a:t>
+              <a:t>12/2/2012</a:t>
             </a:fld>
             <a:endParaRPr lang="en-US"/>
           </a:p>
@@ -622,7 +623,7 @@
           <a:p>
             <a:fld id="{A77CB325-35BE-490D-9762-04AC27F674C3}" type="datetimeFigureOut">
               <a:rPr lang="en-US" smtClean="0"/>
-              <a:t>12/1/2012</a:t>
+              <a:t>12/2/2012</a:t>
             </a:fld>
             <a:endParaRPr lang="en-US"/>
           </a:p>
@@ -787,7 +788,7 @@
           <a:p>
             <a:fld id="{A77CB325-35BE-490D-9762-04AC27F674C3}" type="datetimeFigureOut">
               <a:rPr lang="en-US" smtClean="0"/>
-              <a:t>12/1/2012</a:t>
+              <a:t>12/2/2012</a:t>
             </a:fld>
             <a:endParaRPr lang="en-US"/>
           </a:p>
@@ -1029,7 +1030,7 @@
           <a:p>
             <a:fld id="{A77CB325-35BE-490D-9762-04AC27F674C3}" type="datetimeFigureOut">
               <a:rPr lang="en-US" smtClean="0"/>
-              <a:t>12/1/2012</a:t>
+              <a:t>12/2/2012</a:t>
             </a:fld>
             <a:endParaRPr lang="en-US"/>
           </a:p>
@@ -1293,7 +1294,7 @@
           <a:p>
             <a:fld id="{A77CB325-35BE-490D-9762-04AC27F674C3}" type="datetimeFigureOut">
               <a:rPr lang="en-US" smtClean="0"/>
-              <a:t>12/1/2012</a:t>
+              <a:t>12/2/2012</a:t>
             </a:fld>
             <a:endParaRPr lang="en-US"/>
           </a:p>
@@ -1671,7 +1672,7 @@
           <a:p>
             <a:fld id="{A77CB325-35BE-490D-9762-04AC27F674C3}" type="datetimeFigureOut">
               <a:rPr lang="en-US" smtClean="0"/>
-              <a:t>12/1/2012</a:t>
+              <a:t>12/2/2012</a:t>
             </a:fld>
             <a:endParaRPr lang="en-US"/>
           </a:p>
@@ -1821,7 +1822,7 @@
           <a:p>
             <a:fld id="{A77CB325-35BE-490D-9762-04AC27F674C3}" type="datetimeFigureOut">
               <a:rPr lang="en-US" smtClean="0"/>
-              <a:t>12/1/2012</a:t>
+              <a:t>12/2/2012</a:t>
             </a:fld>
             <a:endParaRPr lang="en-US"/>
           </a:p>
@@ -1911,7 +1912,7 @@
           <a:p>
             <a:fld id="{A77CB325-35BE-490D-9762-04AC27F674C3}" type="datetimeFigureOut">
               <a:rPr lang="en-US" smtClean="0"/>
-              <a:t>12/1/2012</a:t>
+              <a:t>12/2/2012</a:t>
             </a:fld>
             <a:endParaRPr lang="en-US"/>
           </a:p>
@@ -2172,7 +2173,7 @@
           <a:p>
             <a:fld id="{A77CB325-35BE-490D-9762-04AC27F674C3}" type="datetimeFigureOut">
               <a:rPr lang="en-US" smtClean="0"/>
-              <a:t>12/1/2012</a:t>
+              <a:t>12/2/2012</a:t>
             </a:fld>
             <a:endParaRPr lang="en-US"/>
           </a:p>
@@ -2460,7 +2461,7 @@
           <a:p>
             <a:fld id="{A77CB325-35BE-490D-9762-04AC27F674C3}" type="datetimeFigureOut">
               <a:rPr lang="en-US" smtClean="0"/>
-              <a:t>12/1/2012</a:t>
+              <a:t>12/2/2012</a:t>
             </a:fld>
             <a:endParaRPr lang="en-US"/>
           </a:p>
@@ -3231,7 +3232,7 @@
           <a:p>
             <a:fld id="{A77CB325-35BE-490D-9762-04AC27F674C3}" type="datetimeFigureOut">
               <a:rPr lang="en-US" smtClean="0"/>
-              <a:t>12/1/2012</a:t>
+              <a:t>12/2/2012</a:t>
             </a:fld>
             <a:endParaRPr lang="en-US"/>
           </a:p>
@@ -3920,6 +3921,13 @@
   <p:clrMapOvr>
     <a:masterClrMapping/>
   </p:clrMapOvr>
+  <p:timing>
+    <p:tnLst>
+      <p:par>
+        <p:cTn id="1" dur="indefinite" restart="never" nodeType="tmRoot"/>
+      </p:par>
+    </p:tnLst>
+  </p:timing>
 </p:sld>
 </file>
 
@@ -3982,12 +3990,13 @@
           <a:p>
             <a:r>
               <a:rPr lang="en-CA" dirty="0" smtClean="0"/>
-              <a:t>Provide a solution </a:t>
+              <a:t>Provide a solution that </a:t>
             </a:r>
             <a:r>
               <a:rPr lang="en-CA" dirty="0" smtClean="0"/>
-              <a:t>that is</a:t>
-            </a:r>
+              <a:t>is…</a:t>
+            </a:r>
+            <a:endParaRPr lang="en-CA" dirty="0" smtClean="0"/>
           </a:p>
           <a:p>
             <a:pPr lvl="1"/>
@@ -3995,13 +4004,15 @@
               <a:rPr lang="en-CA" dirty="0" smtClean="0"/>
               <a:t>Scalable</a:t>
             </a:r>
+            <a:endParaRPr lang="en-CA" dirty="0" smtClean="0"/>
           </a:p>
           <a:p>
             <a:pPr lvl="1"/>
             <a:r>
               <a:rPr lang="en-CA" dirty="0" smtClean="0"/>
-              <a:t>Expandable</a:t>
-            </a:r>
+              <a:t>Flexible</a:t>
+            </a:r>
+            <a:endParaRPr lang="en-CA" dirty="0" smtClean="0"/>
           </a:p>
           <a:p>
             <a:pPr lvl="1"/>
@@ -4009,6 +4020,7 @@
               <a:rPr lang="en-CA" dirty="0" smtClean="0"/>
               <a:t>Maintainable</a:t>
             </a:r>
+            <a:endParaRPr lang="en-CA" dirty="0" smtClean="0"/>
           </a:p>
           <a:p>
             <a:pPr lvl="1"/>
@@ -4029,6 +4041,507 @@
   <p:clrMapOvr>
     <a:masterClrMapping/>
   </p:clrMapOvr>
+  <mc:AlternateContent xmlns:mc="http://schemas.openxmlformats.org/markup-compatibility/2006">
+    <mc:Choice xmlns:p14="http://schemas.microsoft.com/office/powerpoint/2010/main" Requires="p14">
+      <p:transition p14:dur="0"/>
+    </mc:Choice>
+    <mc:Fallback>
+      <p:transition/>
+    </mc:Fallback>
+  </mc:AlternateContent>
+  <p:timing>
+    <p:tnLst>
+      <p:par>
+        <p:cTn id="1" dur="indefinite" restart="never" nodeType="tmRoot">
+          <p:childTnLst>
+            <p:seq concurrent="1" nextAc="seek">
+              <p:cTn id="2" dur="indefinite" nodeType="mainSeq">
+                <p:childTnLst>
+                  <p:par>
+                    <p:cTn id="3" fill="hold">
+                      <p:stCondLst>
+                        <p:cond delay="indefinite"/>
+                      </p:stCondLst>
+                      <p:childTnLst>
+                        <p:par>
+                          <p:cTn id="4" fill="hold">
+                            <p:stCondLst>
+                              <p:cond delay="0"/>
+                            </p:stCondLst>
+                            <p:childTnLst>
+                              <p:par>
+                                <p:cTn id="5" presetID="42" presetClass="entr" presetSubtype="0" fill="hold" grpId="0" nodeType="clickEffect">
+                                  <p:stCondLst>
+                                    <p:cond delay="0"/>
+                                  </p:stCondLst>
+                                  <p:childTnLst>
+                                    <p:set>
+                                      <p:cBhvr>
+                                        <p:cTn id="6" dur="1" fill="hold">
+                                          <p:stCondLst>
+                                            <p:cond delay="0"/>
+                                          </p:stCondLst>
+                                        </p:cTn>
+                                        <p:tgtEl>
+                                          <p:spTgt spid="2">
+                                            <p:txEl>
+                                              <p:pRg st="1" end="1"/>
+                                            </p:txEl>
+                                          </p:spTgt>
+                                        </p:tgtEl>
+                                        <p:attrNameLst>
+                                          <p:attrName>style.visibility</p:attrName>
+                                        </p:attrNameLst>
+                                      </p:cBhvr>
+                                      <p:to>
+                                        <p:strVal val="visible"/>
+                                      </p:to>
+                                    </p:set>
+                                    <p:animEffect transition="in" filter="fade">
+                                      <p:cBhvr>
+                                        <p:cTn id="7" dur="1000"/>
+                                        <p:tgtEl>
+                                          <p:spTgt spid="2">
+                                            <p:txEl>
+                                              <p:pRg st="1" end="1"/>
+                                            </p:txEl>
+                                          </p:spTgt>
+                                        </p:tgtEl>
+                                      </p:cBhvr>
+                                    </p:animEffect>
+                                    <p:anim calcmode="lin" valueType="num">
+                                      <p:cBhvr>
+                                        <p:cTn id="8" dur="1000" fill="hold"/>
+                                        <p:tgtEl>
+                                          <p:spTgt spid="2">
+                                            <p:txEl>
+                                              <p:pRg st="1" end="1"/>
+                                            </p:txEl>
+                                          </p:spTgt>
+                                        </p:tgtEl>
+                                        <p:attrNameLst>
+                                          <p:attrName>ppt_x</p:attrName>
+                                        </p:attrNameLst>
+                                      </p:cBhvr>
+                                      <p:tavLst>
+                                        <p:tav tm="0">
+                                          <p:val>
+                                            <p:strVal val="#ppt_x"/>
+                                          </p:val>
+                                        </p:tav>
+                                        <p:tav tm="100000">
+                                          <p:val>
+                                            <p:strVal val="#ppt_x"/>
+                                          </p:val>
+                                        </p:tav>
+                                      </p:tavLst>
+                                    </p:anim>
+                                    <p:anim calcmode="lin" valueType="num">
+                                      <p:cBhvr>
+                                        <p:cTn id="9" dur="1000" fill="hold"/>
+                                        <p:tgtEl>
+                                          <p:spTgt spid="2">
+                                            <p:txEl>
+                                              <p:pRg st="1" end="1"/>
+                                            </p:txEl>
+                                          </p:spTgt>
+                                        </p:tgtEl>
+                                        <p:attrNameLst>
+                                          <p:attrName>ppt_y</p:attrName>
+                                        </p:attrNameLst>
+                                      </p:cBhvr>
+                                      <p:tavLst>
+                                        <p:tav tm="0">
+                                          <p:val>
+                                            <p:strVal val="#ppt_y+.1"/>
+                                          </p:val>
+                                        </p:tav>
+                                        <p:tav tm="100000">
+                                          <p:val>
+                                            <p:strVal val="#ppt_y"/>
+                                          </p:val>
+                                        </p:tav>
+                                      </p:tavLst>
+                                    </p:anim>
+                                  </p:childTnLst>
+                                </p:cTn>
+                              </p:par>
+                            </p:childTnLst>
+                          </p:cTn>
+                        </p:par>
+                      </p:childTnLst>
+                    </p:cTn>
+                  </p:par>
+                  <p:par>
+                    <p:cTn id="10" fill="hold">
+                      <p:stCondLst>
+                        <p:cond delay="indefinite"/>
+                      </p:stCondLst>
+                      <p:childTnLst>
+                        <p:par>
+                          <p:cTn id="11" fill="hold">
+                            <p:stCondLst>
+                              <p:cond delay="0"/>
+                            </p:stCondLst>
+                            <p:childTnLst>
+                              <p:par>
+                                <p:cTn id="12" presetID="42" presetClass="entr" presetSubtype="0" fill="hold" grpId="0" nodeType="clickEffect">
+                                  <p:stCondLst>
+                                    <p:cond delay="0"/>
+                                  </p:stCondLst>
+                                  <p:childTnLst>
+                                    <p:set>
+                                      <p:cBhvr>
+                                        <p:cTn id="13" dur="1" fill="hold">
+                                          <p:stCondLst>
+                                            <p:cond delay="0"/>
+                                          </p:stCondLst>
+                                        </p:cTn>
+                                        <p:tgtEl>
+                                          <p:spTgt spid="2">
+                                            <p:txEl>
+                                              <p:pRg st="2" end="2"/>
+                                            </p:txEl>
+                                          </p:spTgt>
+                                        </p:tgtEl>
+                                        <p:attrNameLst>
+                                          <p:attrName>style.visibility</p:attrName>
+                                        </p:attrNameLst>
+                                      </p:cBhvr>
+                                      <p:to>
+                                        <p:strVal val="visible"/>
+                                      </p:to>
+                                    </p:set>
+                                    <p:animEffect transition="in" filter="fade">
+                                      <p:cBhvr>
+                                        <p:cTn id="14" dur="1000"/>
+                                        <p:tgtEl>
+                                          <p:spTgt spid="2">
+                                            <p:txEl>
+                                              <p:pRg st="2" end="2"/>
+                                            </p:txEl>
+                                          </p:spTgt>
+                                        </p:tgtEl>
+                                      </p:cBhvr>
+                                    </p:animEffect>
+                                    <p:anim calcmode="lin" valueType="num">
+                                      <p:cBhvr>
+                                        <p:cTn id="15" dur="1000" fill="hold"/>
+                                        <p:tgtEl>
+                                          <p:spTgt spid="2">
+                                            <p:txEl>
+                                              <p:pRg st="2" end="2"/>
+                                            </p:txEl>
+                                          </p:spTgt>
+                                        </p:tgtEl>
+                                        <p:attrNameLst>
+                                          <p:attrName>ppt_x</p:attrName>
+                                        </p:attrNameLst>
+                                      </p:cBhvr>
+                                      <p:tavLst>
+                                        <p:tav tm="0">
+                                          <p:val>
+                                            <p:strVal val="#ppt_x"/>
+                                          </p:val>
+                                        </p:tav>
+                                        <p:tav tm="100000">
+                                          <p:val>
+                                            <p:strVal val="#ppt_x"/>
+                                          </p:val>
+                                        </p:tav>
+                                      </p:tavLst>
+                                    </p:anim>
+                                    <p:anim calcmode="lin" valueType="num">
+                                      <p:cBhvr>
+                                        <p:cTn id="16" dur="1000" fill="hold"/>
+                                        <p:tgtEl>
+                                          <p:spTgt spid="2">
+                                            <p:txEl>
+                                              <p:pRg st="2" end="2"/>
+                                            </p:txEl>
+                                          </p:spTgt>
+                                        </p:tgtEl>
+                                        <p:attrNameLst>
+                                          <p:attrName>ppt_y</p:attrName>
+                                        </p:attrNameLst>
+                                      </p:cBhvr>
+                                      <p:tavLst>
+                                        <p:tav tm="0">
+                                          <p:val>
+                                            <p:strVal val="#ppt_y+.1"/>
+                                          </p:val>
+                                        </p:tav>
+                                        <p:tav tm="100000">
+                                          <p:val>
+                                            <p:strVal val="#ppt_y"/>
+                                          </p:val>
+                                        </p:tav>
+                                      </p:tavLst>
+                                    </p:anim>
+                                  </p:childTnLst>
+                                </p:cTn>
+                              </p:par>
+                            </p:childTnLst>
+                          </p:cTn>
+                        </p:par>
+                      </p:childTnLst>
+                    </p:cTn>
+                  </p:par>
+                  <p:par>
+                    <p:cTn id="17" fill="hold">
+                      <p:stCondLst>
+                        <p:cond delay="indefinite"/>
+                      </p:stCondLst>
+                      <p:childTnLst>
+                        <p:par>
+                          <p:cTn id="18" fill="hold">
+                            <p:stCondLst>
+                              <p:cond delay="0"/>
+                            </p:stCondLst>
+                            <p:childTnLst>
+                              <p:par>
+                                <p:cTn id="19" presetID="42" presetClass="entr" presetSubtype="0" fill="hold" grpId="0" nodeType="clickEffect">
+                                  <p:stCondLst>
+                                    <p:cond delay="0"/>
+                                  </p:stCondLst>
+                                  <p:childTnLst>
+                                    <p:set>
+                                      <p:cBhvr>
+                                        <p:cTn id="20" dur="1" fill="hold">
+                                          <p:stCondLst>
+                                            <p:cond delay="0"/>
+                                          </p:stCondLst>
+                                        </p:cTn>
+                                        <p:tgtEl>
+                                          <p:spTgt spid="2">
+                                            <p:txEl>
+                                              <p:pRg st="3" end="3"/>
+                                            </p:txEl>
+                                          </p:spTgt>
+                                        </p:tgtEl>
+                                        <p:attrNameLst>
+                                          <p:attrName>style.visibility</p:attrName>
+                                        </p:attrNameLst>
+                                      </p:cBhvr>
+                                      <p:to>
+                                        <p:strVal val="visible"/>
+                                      </p:to>
+                                    </p:set>
+                                    <p:animEffect transition="in" filter="fade">
+                                      <p:cBhvr>
+                                        <p:cTn id="21" dur="1000"/>
+                                        <p:tgtEl>
+                                          <p:spTgt spid="2">
+                                            <p:txEl>
+                                              <p:pRg st="3" end="3"/>
+                                            </p:txEl>
+                                          </p:spTgt>
+                                        </p:tgtEl>
+                                      </p:cBhvr>
+                                    </p:animEffect>
+                                    <p:anim calcmode="lin" valueType="num">
+                                      <p:cBhvr>
+                                        <p:cTn id="22" dur="1000" fill="hold"/>
+                                        <p:tgtEl>
+                                          <p:spTgt spid="2">
+                                            <p:txEl>
+                                              <p:pRg st="3" end="3"/>
+                                            </p:txEl>
+                                          </p:spTgt>
+                                        </p:tgtEl>
+                                        <p:attrNameLst>
+                                          <p:attrName>ppt_x</p:attrName>
+                                        </p:attrNameLst>
+                                      </p:cBhvr>
+                                      <p:tavLst>
+                                        <p:tav tm="0">
+                                          <p:val>
+                                            <p:strVal val="#ppt_x"/>
+                                          </p:val>
+                                        </p:tav>
+                                        <p:tav tm="100000">
+                                          <p:val>
+                                            <p:strVal val="#ppt_x"/>
+                                          </p:val>
+                                        </p:tav>
+                                      </p:tavLst>
+                                    </p:anim>
+                                    <p:anim calcmode="lin" valueType="num">
+                                      <p:cBhvr>
+                                        <p:cTn id="23" dur="1000" fill="hold"/>
+                                        <p:tgtEl>
+                                          <p:spTgt spid="2">
+                                            <p:txEl>
+                                              <p:pRg st="3" end="3"/>
+                                            </p:txEl>
+                                          </p:spTgt>
+                                        </p:tgtEl>
+                                        <p:attrNameLst>
+                                          <p:attrName>ppt_y</p:attrName>
+                                        </p:attrNameLst>
+                                      </p:cBhvr>
+                                      <p:tavLst>
+                                        <p:tav tm="0">
+                                          <p:val>
+                                            <p:strVal val="#ppt_y+.1"/>
+                                          </p:val>
+                                        </p:tav>
+                                        <p:tav tm="100000">
+                                          <p:val>
+                                            <p:strVal val="#ppt_y"/>
+                                          </p:val>
+                                        </p:tav>
+                                      </p:tavLst>
+                                    </p:anim>
+                                  </p:childTnLst>
+                                </p:cTn>
+                              </p:par>
+                            </p:childTnLst>
+                          </p:cTn>
+                        </p:par>
+                      </p:childTnLst>
+                    </p:cTn>
+                  </p:par>
+                  <p:par>
+                    <p:cTn id="24" fill="hold">
+                      <p:stCondLst>
+                        <p:cond delay="indefinite"/>
+                      </p:stCondLst>
+                      <p:childTnLst>
+                        <p:par>
+                          <p:cTn id="25" fill="hold">
+                            <p:stCondLst>
+                              <p:cond delay="0"/>
+                            </p:stCondLst>
+                            <p:childTnLst>
+                              <p:par>
+                                <p:cTn id="26" presetID="42" presetClass="entr" presetSubtype="0" fill="hold" grpId="0" nodeType="clickEffect">
+                                  <p:stCondLst>
+                                    <p:cond delay="0"/>
+                                  </p:stCondLst>
+                                  <p:childTnLst>
+                                    <p:set>
+                                      <p:cBhvr>
+                                        <p:cTn id="27" dur="1" fill="hold">
+                                          <p:stCondLst>
+                                            <p:cond delay="0"/>
+                                          </p:stCondLst>
+                                        </p:cTn>
+                                        <p:tgtEl>
+                                          <p:spTgt spid="2">
+                                            <p:txEl>
+                                              <p:pRg st="4" end="4"/>
+                                            </p:txEl>
+                                          </p:spTgt>
+                                        </p:tgtEl>
+                                        <p:attrNameLst>
+                                          <p:attrName>style.visibility</p:attrName>
+                                        </p:attrNameLst>
+                                      </p:cBhvr>
+                                      <p:to>
+                                        <p:strVal val="visible"/>
+                                      </p:to>
+                                    </p:set>
+                                    <p:animEffect transition="in" filter="fade">
+                                      <p:cBhvr>
+                                        <p:cTn id="28" dur="1000"/>
+                                        <p:tgtEl>
+                                          <p:spTgt spid="2">
+                                            <p:txEl>
+                                              <p:pRg st="4" end="4"/>
+                                            </p:txEl>
+                                          </p:spTgt>
+                                        </p:tgtEl>
+                                      </p:cBhvr>
+                                    </p:animEffect>
+                                    <p:anim calcmode="lin" valueType="num">
+                                      <p:cBhvr>
+                                        <p:cTn id="29" dur="1000" fill="hold"/>
+                                        <p:tgtEl>
+                                          <p:spTgt spid="2">
+                                            <p:txEl>
+                                              <p:pRg st="4" end="4"/>
+                                            </p:txEl>
+                                          </p:spTgt>
+                                        </p:tgtEl>
+                                        <p:attrNameLst>
+                                          <p:attrName>ppt_x</p:attrName>
+                                        </p:attrNameLst>
+                                      </p:cBhvr>
+                                      <p:tavLst>
+                                        <p:tav tm="0">
+                                          <p:val>
+                                            <p:strVal val="#ppt_x"/>
+                                          </p:val>
+                                        </p:tav>
+                                        <p:tav tm="100000">
+                                          <p:val>
+                                            <p:strVal val="#ppt_x"/>
+                                          </p:val>
+                                        </p:tav>
+                                      </p:tavLst>
+                                    </p:anim>
+                                    <p:anim calcmode="lin" valueType="num">
+                                      <p:cBhvr>
+                                        <p:cTn id="30" dur="1000" fill="hold"/>
+                                        <p:tgtEl>
+                                          <p:spTgt spid="2">
+                                            <p:txEl>
+                                              <p:pRg st="4" end="4"/>
+                                            </p:txEl>
+                                          </p:spTgt>
+                                        </p:tgtEl>
+                                        <p:attrNameLst>
+                                          <p:attrName>ppt_y</p:attrName>
+                                        </p:attrNameLst>
+                                      </p:cBhvr>
+                                      <p:tavLst>
+                                        <p:tav tm="0">
+                                          <p:val>
+                                            <p:strVal val="#ppt_y+.1"/>
+                                          </p:val>
+                                        </p:tav>
+                                        <p:tav tm="100000">
+                                          <p:val>
+                                            <p:strVal val="#ppt_y"/>
+                                          </p:val>
+                                        </p:tav>
+                                      </p:tavLst>
+                                    </p:anim>
+                                  </p:childTnLst>
+                                </p:cTn>
+                              </p:par>
+                            </p:childTnLst>
+                          </p:cTn>
+                        </p:par>
+                      </p:childTnLst>
+                    </p:cTn>
+                  </p:par>
+                </p:childTnLst>
+              </p:cTn>
+              <p:prevCondLst>
+                <p:cond evt="onPrev" delay="0">
+                  <p:tgtEl>
+                    <p:sldTgt/>
+                  </p:tgtEl>
+                </p:cond>
+              </p:prevCondLst>
+              <p:nextCondLst>
+                <p:cond evt="onNext" delay="0">
+                  <p:tgtEl>
+                    <p:sldTgt/>
+                  </p:tgtEl>
+                </p:cond>
+              </p:nextCondLst>
+            </p:seq>
+          </p:childTnLst>
+        </p:cTn>
+      </p:par>
+    </p:tnLst>
+    <p:bldLst>
+      <p:bldP spid="2" grpId="0" uiExpand="1" build="p"/>
+    </p:bldLst>
+  </p:timing>
 </p:sld>
 </file>
 
@@ -4084,40 +4597,78 @@
         </p:nvSpPr>
         <p:spPr/>
         <p:txBody>
-          <a:bodyPr/>
+          <a:bodyPr>
+            <a:normAutofit/>
+          </a:bodyPr>
           <a:lstStyle/>
           <a:p>
             <a:r>
+              <a:rPr lang="en-CA" dirty="0"/>
+              <a:t>Application Backbone</a:t>
+            </a:r>
+          </a:p>
+          <a:p>
+            <a:pPr lvl="1"/>
+            <a:r>
+              <a:rPr lang="en-CA" dirty="0"/>
+              <a:t>Entity Framework </a:t>
+            </a:r>
+            <a:r>
               <a:rPr lang="en-CA" dirty="0" smtClean="0"/>
-              <a:t>ASP.NET MVC 3</a:t>
-            </a:r>
-          </a:p>
-          <a:p>
+              <a:t>4.1</a:t>
+            </a:r>
+            <a:endParaRPr lang="en-CA" dirty="0" smtClean="0"/>
+          </a:p>
+          <a:p>
+            <a:pPr lvl="1"/>
             <a:r>
               <a:rPr lang="en-CA" dirty="0" smtClean="0"/>
-              <a:t>Entity Framework 4.1</a:t>
-            </a:r>
-          </a:p>
-          <a:p>
+              <a:t>ASP.NET </a:t>
+            </a:r>
+            <a:r>
+              <a:rPr lang="en-CA" dirty="0" smtClean="0"/>
+              <a:t>MVC </a:t>
+            </a:r>
+            <a:r>
+              <a:rPr lang="en-CA" dirty="0" smtClean="0"/>
+              <a:t>3</a:t>
+            </a:r>
+          </a:p>
+          <a:p>
+            <a:pPr lvl="1"/>
+            <a:r>
+              <a:rPr lang="en-CA" dirty="0" err="1" smtClean="0"/>
+              <a:t>Ninject</a:t>
+            </a:r>
+            <a:endParaRPr lang="en-US" dirty="0"/>
+          </a:p>
+          <a:p>
+            <a:pPr marL="0" indent="0">
+              <a:buNone/>
+            </a:pPr>
+            <a:endParaRPr lang="en-CA" dirty="0"/>
+          </a:p>
+          <a:p>
+            <a:r>
+              <a:rPr lang="en-CA" dirty="0"/>
+              <a:t>User Interface</a:t>
+            </a:r>
+          </a:p>
+          <a:p>
+            <a:pPr lvl="1"/>
+            <a:r>
+              <a:rPr lang="en-CA" dirty="0" err="1" smtClean="0"/>
+              <a:t>Highcharts</a:t>
+            </a:r>
+            <a:endParaRPr lang="en-CA" dirty="0" smtClean="0"/>
+          </a:p>
+          <a:p>
+            <a:pPr lvl="1"/>
             <a:r>
               <a:rPr lang="en-CA" dirty="0" err="1" smtClean="0"/>
               <a:t>jqGrid</a:t>
             </a:r>
             <a:endParaRPr lang="en-CA" dirty="0" smtClean="0"/>
-          </a:p>
-          <a:p>
-            <a:r>
-              <a:rPr lang="en-CA" dirty="0" err="1" smtClean="0"/>
-              <a:t>Highcharts</a:t>
-            </a:r>
-            <a:endParaRPr lang="en-CA" dirty="0" smtClean="0"/>
-          </a:p>
-          <a:p>
-            <a:r>
-              <a:rPr lang="en-CA" smtClean="0"/>
-              <a:t>Ninject</a:t>
-            </a:r>
-            <a:endParaRPr lang="en-US" dirty="0"/>
           </a:p>
         </p:txBody>
       </p:sp>
@@ -4131,6 +4682,1341 @@
   <p:clrMapOvr>
     <a:masterClrMapping/>
   </p:clrMapOvr>
+  <p:timing>
+    <p:tnLst>
+      <p:par>
+        <p:cTn id="1" dur="indefinite" restart="never" nodeType="tmRoot">
+          <p:childTnLst>
+            <p:seq concurrent="1" nextAc="seek">
+              <p:cTn id="2" dur="indefinite" nodeType="mainSeq">
+                <p:childTnLst>
+                  <p:par>
+                    <p:cTn id="3" fill="hold">
+                      <p:stCondLst>
+                        <p:cond delay="indefinite"/>
+                      </p:stCondLst>
+                      <p:childTnLst>
+                        <p:par>
+                          <p:cTn id="4" fill="hold">
+                            <p:stCondLst>
+                              <p:cond delay="0"/>
+                            </p:stCondLst>
+                            <p:childTnLst>
+                              <p:par>
+                                <p:cTn id="5" presetID="42" presetClass="entr" presetSubtype="0" fill="hold" grpId="0" nodeType="clickEffect">
+                                  <p:stCondLst>
+                                    <p:cond delay="0"/>
+                                  </p:stCondLst>
+                                  <p:childTnLst>
+                                    <p:set>
+                                      <p:cBhvr>
+                                        <p:cTn id="6" dur="1" fill="hold">
+                                          <p:stCondLst>
+                                            <p:cond delay="0"/>
+                                          </p:stCondLst>
+                                        </p:cTn>
+                                        <p:tgtEl>
+                                          <p:spTgt spid="3">
+                                            <p:txEl>
+                                              <p:pRg st="0" end="0"/>
+                                            </p:txEl>
+                                          </p:spTgt>
+                                        </p:tgtEl>
+                                        <p:attrNameLst>
+                                          <p:attrName>style.visibility</p:attrName>
+                                        </p:attrNameLst>
+                                      </p:cBhvr>
+                                      <p:to>
+                                        <p:strVal val="visible"/>
+                                      </p:to>
+                                    </p:set>
+                                    <p:animEffect transition="in" filter="fade">
+                                      <p:cBhvr>
+                                        <p:cTn id="7" dur="1000"/>
+                                        <p:tgtEl>
+                                          <p:spTgt spid="3">
+                                            <p:txEl>
+                                              <p:pRg st="0" end="0"/>
+                                            </p:txEl>
+                                          </p:spTgt>
+                                        </p:tgtEl>
+                                      </p:cBhvr>
+                                    </p:animEffect>
+                                    <p:anim calcmode="lin" valueType="num">
+                                      <p:cBhvr>
+                                        <p:cTn id="8" dur="1000" fill="hold"/>
+                                        <p:tgtEl>
+                                          <p:spTgt spid="3">
+                                            <p:txEl>
+                                              <p:pRg st="0" end="0"/>
+                                            </p:txEl>
+                                          </p:spTgt>
+                                        </p:tgtEl>
+                                        <p:attrNameLst>
+                                          <p:attrName>ppt_x</p:attrName>
+                                        </p:attrNameLst>
+                                      </p:cBhvr>
+                                      <p:tavLst>
+                                        <p:tav tm="0">
+                                          <p:val>
+                                            <p:strVal val="#ppt_x"/>
+                                          </p:val>
+                                        </p:tav>
+                                        <p:tav tm="100000">
+                                          <p:val>
+                                            <p:strVal val="#ppt_x"/>
+                                          </p:val>
+                                        </p:tav>
+                                      </p:tavLst>
+                                    </p:anim>
+                                    <p:anim calcmode="lin" valueType="num">
+                                      <p:cBhvr>
+                                        <p:cTn id="9" dur="1000" fill="hold"/>
+                                        <p:tgtEl>
+                                          <p:spTgt spid="3">
+                                            <p:txEl>
+                                              <p:pRg st="0" end="0"/>
+                                            </p:txEl>
+                                          </p:spTgt>
+                                        </p:tgtEl>
+                                        <p:attrNameLst>
+                                          <p:attrName>ppt_y</p:attrName>
+                                        </p:attrNameLst>
+                                      </p:cBhvr>
+                                      <p:tavLst>
+                                        <p:tav tm="0">
+                                          <p:val>
+                                            <p:strVal val="#ppt_y+.1"/>
+                                          </p:val>
+                                        </p:tav>
+                                        <p:tav tm="100000">
+                                          <p:val>
+                                            <p:strVal val="#ppt_y"/>
+                                          </p:val>
+                                        </p:tav>
+                                      </p:tavLst>
+                                    </p:anim>
+                                  </p:childTnLst>
+                                </p:cTn>
+                              </p:par>
+                              <p:par>
+                                <p:cTn id="10" presetID="42" presetClass="entr" presetSubtype="0" fill="hold" grpId="0" nodeType="withEffect">
+                                  <p:stCondLst>
+                                    <p:cond delay="0"/>
+                                  </p:stCondLst>
+                                  <p:childTnLst>
+                                    <p:set>
+                                      <p:cBhvr>
+                                        <p:cTn id="11" dur="1" fill="hold">
+                                          <p:stCondLst>
+                                            <p:cond delay="0"/>
+                                          </p:stCondLst>
+                                        </p:cTn>
+                                        <p:tgtEl>
+                                          <p:spTgt spid="3">
+                                            <p:txEl>
+                                              <p:pRg st="1" end="1"/>
+                                            </p:txEl>
+                                          </p:spTgt>
+                                        </p:tgtEl>
+                                        <p:attrNameLst>
+                                          <p:attrName>style.visibility</p:attrName>
+                                        </p:attrNameLst>
+                                      </p:cBhvr>
+                                      <p:to>
+                                        <p:strVal val="visible"/>
+                                      </p:to>
+                                    </p:set>
+                                    <p:animEffect transition="in" filter="fade">
+                                      <p:cBhvr>
+                                        <p:cTn id="12" dur="1000"/>
+                                        <p:tgtEl>
+                                          <p:spTgt spid="3">
+                                            <p:txEl>
+                                              <p:pRg st="1" end="1"/>
+                                            </p:txEl>
+                                          </p:spTgt>
+                                        </p:tgtEl>
+                                      </p:cBhvr>
+                                    </p:animEffect>
+                                    <p:anim calcmode="lin" valueType="num">
+                                      <p:cBhvr>
+                                        <p:cTn id="13" dur="1000" fill="hold"/>
+                                        <p:tgtEl>
+                                          <p:spTgt spid="3">
+                                            <p:txEl>
+                                              <p:pRg st="1" end="1"/>
+                                            </p:txEl>
+                                          </p:spTgt>
+                                        </p:tgtEl>
+                                        <p:attrNameLst>
+                                          <p:attrName>ppt_x</p:attrName>
+                                        </p:attrNameLst>
+                                      </p:cBhvr>
+                                      <p:tavLst>
+                                        <p:tav tm="0">
+                                          <p:val>
+                                            <p:strVal val="#ppt_x"/>
+                                          </p:val>
+                                        </p:tav>
+                                        <p:tav tm="100000">
+                                          <p:val>
+                                            <p:strVal val="#ppt_x"/>
+                                          </p:val>
+                                        </p:tav>
+                                      </p:tavLst>
+                                    </p:anim>
+                                    <p:anim calcmode="lin" valueType="num">
+                                      <p:cBhvr>
+                                        <p:cTn id="14" dur="1000" fill="hold"/>
+                                        <p:tgtEl>
+                                          <p:spTgt spid="3">
+                                            <p:txEl>
+                                              <p:pRg st="1" end="1"/>
+                                            </p:txEl>
+                                          </p:spTgt>
+                                        </p:tgtEl>
+                                        <p:attrNameLst>
+                                          <p:attrName>ppt_y</p:attrName>
+                                        </p:attrNameLst>
+                                      </p:cBhvr>
+                                      <p:tavLst>
+                                        <p:tav tm="0">
+                                          <p:val>
+                                            <p:strVal val="#ppt_y+.1"/>
+                                          </p:val>
+                                        </p:tav>
+                                        <p:tav tm="100000">
+                                          <p:val>
+                                            <p:strVal val="#ppt_y"/>
+                                          </p:val>
+                                        </p:tav>
+                                      </p:tavLst>
+                                    </p:anim>
+                                  </p:childTnLst>
+                                </p:cTn>
+                              </p:par>
+                              <p:par>
+                                <p:cTn id="15" presetID="42" presetClass="entr" presetSubtype="0" fill="hold" grpId="0" nodeType="withEffect">
+                                  <p:stCondLst>
+                                    <p:cond delay="0"/>
+                                  </p:stCondLst>
+                                  <p:childTnLst>
+                                    <p:set>
+                                      <p:cBhvr>
+                                        <p:cTn id="16" dur="1" fill="hold">
+                                          <p:stCondLst>
+                                            <p:cond delay="0"/>
+                                          </p:stCondLst>
+                                        </p:cTn>
+                                        <p:tgtEl>
+                                          <p:spTgt spid="3">
+                                            <p:txEl>
+                                              <p:pRg st="2" end="2"/>
+                                            </p:txEl>
+                                          </p:spTgt>
+                                        </p:tgtEl>
+                                        <p:attrNameLst>
+                                          <p:attrName>style.visibility</p:attrName>
+                                        </p:attrNameLst>
+                                      </p:cBhvr>
+                                      <p:to>
+                                        <p:strVal val="visible"/>
+                                      </p:to>
+                                    </p:set>
+                                    <p:animEffect transition="in" filter="fade">
+                                      <p:cBhvr>
+                                        <p:cTn id="17" dur="1000"/>
+                                        <p:tgtEl>
+                                          <p:spTgt spid="3">
+                                            <p:txEl>
+                                              <p:pRg st="2" end="2"/>
+                                            </p:txEl>
+                                          </p:spTgt>
+                                        </p:tgtEl>
+                                      </p:cBhvr>
+                                    </p:animEffect>
+                                    <p:anim calcmode="lin" valueType="num">
+                                      <p:cBhvr>
+                                        <p:cTn id="18" dur="1000" fill="hold"/>
+                                        <p:tgtEl>
+                                          <p:spTgt spid="3">
+                                            <p:txEl>
+                                              <p:pRg st="2" end="2"/>
+                                            </p:txEl>
+                                          </p:spTgt>
+                                        </p:tgtEl>
+                                        <p:attrNameLst>
+                                          <p:attrName>ppt_x</p:attrName>
+                                        </p:attrNameLst>
+                                      </p:cBhvr>
+                                      <p:tavLst>
+                                        <p:tav tm="0">
+                                          <p:val>
+                                            <p:strVal val="#ppt_x"/>
+                                          </p:val>
+                                        </p:tav>
+                                        <p:tav tm="100000">
+                                          <p:val>
+                                            <p:strVal val="#ppt_x"/>
+                                          </p:val>
+                                        </p:tav>
+                                      </p:tavLst>
+                                    </p:anim>
+                                    <p:anim calcmode="lin" valueType="num">
+                                      <p:cBhvr>
+                                        <p:cTn id="19" dur="1000" fill="hold"/>
+                                        <p:tgtEl>
+                                          <p:spTgt spid="3">
+                                            <p:txEl>
+                                              <p:pRg st="2" end="2"/>
+                                            </p:txEl>
+                                          </p:spTgt>
+                                        </p:tgtEl>
+                                        <p:attrNameLst>
+                                          <p:attrName>ppt_y</p:attrName>
+                                        </p:attrNameLst>
+                                      </p:cBhvr>
+                                      <p:tavLst>
+                                        <p:tav tm="0">
+                                          <p:val>
+                                            <p:strVal val="#ppt_y+.1"/>
+                                          </p:val>
+                                        </p:tav>
+                                        <p:tav tm="100000">
+                                          <p:val>
+                                            <p:strVal val="#ppt_y"/>
+                                          </p:val>
+                                        </p:tav>
+                                      </p:tavLst>
+                                    </p:anim>
+                                  </p:childTnLst>
+                                </p:cTn>
+                              </p:par>
+                              <p:par>
+                                <p:cTn id="20" presetID="42" presetClass="entr" presetSubtype="0" fill="hold" grpId="0" nodeType="withEffect">
+                                  <p:stCondLst>
+                                    <p:cond delay="0"/>
+                                  </p:stCondLst>
+                                  <p:childTnLst>
+                                    <p:set>
+                                      <p:cBhvr>
+                                        <p:cTn id="21" dur="1" fill="hold">
+                                          <p:stCondLst>
+                                            <p:cond delay="0"/>
+                                          </p:stCondLst>
+                                        </p:cTn>
+                                        <p:tgtEl>
+                                          <p:spTgt spid="3">
+                                            <p:txEl>
+                                              <p:pRg st="3" end="3"/>
+                                            </p:txEl>
+                                          </p:spTgt>
+                                        </p:tgtEl>
+                                        <p:attrNameLst>
+                                          <p:attrName>style.visibility</p:attrName>
+                                        </p:attrNameLst>
+                                      </p:cBhvr>
+                                      <p:to>
+                                        <p:strVal val="visible"/>
+                                      </p:to>
+                                    </p:set>
+                                    <p:animEffect transition="in" filter="fade">
+                                      <p:cBhvr>
+                                        <p:cTn id="22" dur="1000"/>
+                                        <p:tgtEl>
+                                          <p:spTgt spid="3">
+                                            <p:txEl>
+                                              <p:pRg st="3" end="3"/>
+                                            </p:txEl>
+                                          </p:spTgt>
+                                        </p:tgtEl>
+                                      </p:cBhvr>
+                                    </p:animEffect>
+                                    <p:anim calcmode="lin" valueType="num">
+                                      <p:cBhvr>
+                                        <p:cTn id="23" dur="1000" fill="hold"/>
+                                        <p:tgtEl>
+                                          <p:spTgt spid="3">
+                                            <p:txEl>
+                                              <p:pRg st="3" end="3"/>
+                                            </p:txEl>
+                                          </p:spTgt>
+                                        </p:tgtEl>
+                                        <p:attrNameLst>
+                                          <p:attrName>ppt_x</p:attrName>
+                                        </p:attrNameLst>
+                                      </p:cBhvr>
+                                      <p:tavLst>
+                                        <p:tav tm="0">
+                                          <p:val>
+                                            <p:strVal val="#ppt_x"/>
+                                          </p:val>
+                                        </p:tav>
+                                        <p:tav tm="100000">
+                                          <p:val>
+                                            <p:strVal val="#ppt_x"/>
+                                          </p:val>
+                                        </p:tav>
+                                      </p:tavLst>
+                                    </p:anim>
+                                    <p:anim calcmode="lin" valueType="num">
+                                      <p:cBhvr>
+                                        <p:cTn id="24" dur="1000" fill="hold"/>
+                                        <p:tgtEl>
+                                          <p:spTgt spid="3">
+                                            <p:txEl>
+                                              <p:pRg st="3" end="3"/>
+                                            </p:txEl>
+                                          </p:spTgt>
+                                        </p:tgtEl>
+                                        <p:attrNameLst>
+                                          <p:attrName>ppt_y</p:attrName>
+                                        </p:attrNameLst>
+                                      </p:cBhvr>
+                                      <p:tavLst>
+                                        <p:tav tm="0">
+                                          <p:val>
+                                            <p:strVal val="#ppt_y+.1"/>
+                                          </p:val>
+                                        </p:tav>
+                                        <p:tav tm="100000">
+                                          <p:val>
+                                            <p:strVal val="#ppt_y"/>
+                                          </p:val>
+                                        </p:tav>
+                                      </p:tavLst>
+                                    </p:anim>
+                                  </p:childTnLst>
+                                </p:cTn>
+                              </p:par>
+                            </p:childTnLst>
+                          </p:cTn>
+                        </p:par>
+                      </p:childTnLst>
+                    </p:cTn>
+                  </p:par>
+                  <p:par>
+                    <p:cTn id="25" fill="hold">
+                      <p:stCondLst>
+                        <p:cond delay="indefinite"/>
+                      </p:stCondLst>
+                      <p:childTnLst>
+                        <p:par>
+                          <p:cTn id="26" fill="hold">
+                            <p:stCondLst>
+                              <p:cond delay="0"/>
+                            </p:stCondLst>
+                            <p:childTnLst>
+                              <p:par>
+                                <p:cTn id="27" presetID="42" presetClass="entr" presetSubtype="0" fill="hold" grpId="0" nodeType="clickEffect">
+                                  <p:stCondLst>
+                                    <p:cond delay="0"/>
+                                  </p:stCondLst>
+                                  <p:childTnLst>
+                                    <p:set>
+                                      <p:cBhvr>
+                                        <p:cTn id="28" dur="1" fill="hold">
+                                          <p:stCondLst>
+                                            <p:cond delay="0"/>
+                                          </p:stCondLst>
+                                        </p:cTn>
+                                        <p:tgtEl>
+                                          <p:spTgt spid="3">
+                                            <p:txEl>
+                                              <p:pRg st="5" end="5"/>
+                                            </p:txEl>
+                                          </p:spTgt>
+                                        </p:tgtEl>
+                                        <p:attrNameLst>
+                                          <p:attrName>style.visibility</p:attrName>
+                                        </p:attrNameLst>
+                                      </p:cBhvr>
+                                      <p:to>
+                                        <p:strVal val="visible"/>
+                                      </p:to>
+                                    </p:set>
+                                    <p:animEffect transition="in" filter="fade">
+                                      <p:cBhvr>
+                                        <p:cTn id="29" dur="1000"/>
+                                        <p:tgtEl>
+                                          <p:spTgt spid="3">
+                                            <p:txEl>
+                                              <p:pRg st="5" end="5"/>
+                                            </p:txEl>
+                                          </p:spTgt>
+                                        </p:tgtEl>
+                                      </p:cBhvr>
+                                    </p:animEffect>
+                                    <p:anim calcmode="lin" valueType="num">
+                                      <p:cBhvr>
+                                        <p:cTn id="30" dur="1000" fill="hold"/>
+                                        <p:tgtEl>
+                                          <p:spTgt spid="3">
+                                            <p:txEl>
+                                              <p:pRg st="5" end="5"/>
+                                            </p:txEl>
+                                          </p:spTgt>
+                                        </p:tgtEl>
+                                        <p:attrNameLst>
+                                          <p:attrName>ppt_x</p:attrName>
+                                        </p:attrNameLst>
+                                      </p:cBhvr>
+                                      <p:tavLst>
+                                        <p:tav tm="0">
+                                          <p:val>
+                                            <p:strVal val="#ppt_x"/>
+                                          </p:val>
+                                        </p:tav>
+                                        <p:tav tm="100000">
+                                          <p:val>
+                                            <p:strVal val="#ppt_x"/>
+                                          </p:val>
+                                        </p:tav>
+                                      </p:tavLst>
+                                    </p:anim>
+                                    <p:anim calcmode="lin" valueType="num">
+                                      <p:cBhvr>
+                                        <p:cTn id="31" dur="1000" fill="hold"/>
+                                        <p:tgtEl>
+                                          <p:spTgt spid="3">
+                                            <p:txEl>
+                                              <p:pRg st="5" end="5"/>
+                                            </p:txEl>
+                                          </p:spTgt>
+                                        </p:tgtEl>
+                                        <p:attrNameLst>
+                                          <p:attrName>ppt_y</p:attrName>
+                                        </p:attrNameLst>
+                                      </p:cBhvr>
+                                      <p:tavLst>
+                                        <p:tav tm="0">
+                                          <p:val>
+                                            <p:strVal val="#ppt_y+.1"/>
+                                          </p:val>
+                                        </p:tav>
+                                        <p:tav tm="100000">
+                                          <p:val>
+                                            <p:strVal val="#ppt_y"/>
+                                          </p:val>
+                                        </p:tav>
+                                      </p:tavLst>
+                                    </p:anim>
+                                  </p:childTnLst>
+                                </p:cTn>
+                              </p:par>
+                              <p:par>
+                                <p:cTn id="32" presetID="42" presetClass="entr" presetSubtype="0" fill="hold" grpId="0" nodeType="withEffect">
+                                  <p:stCondLst>
+                                    <p:cond delay="0"/>
+                                  </p:stCondLst>
+                                  <p:childTnLst>
+                                    <p:set>
+                                      <p:cBhvr>
+                                        <p:cTn id="33" dur="1" fill="hold">
+                                          <p:stCondLst>
+                                            <p:cond delay="0"/>
+                                          </p:stCondLst>
+                                        </p:cTn>
+                                        <p:tgtEl>
+                                          <p:spTgt spid="3">
+                                            <p:txEl>
+                                              <p:pRg st="6" end="6"/>
+                                            </p:txEl>
+                                          </p:spTgt>
+                                        </p:tgtEl>
+                                        <p:attrNameLst>
+                                          <p:attrName>style.visibility</p:attrName>
+                                        </p:attrNameLst>
+                                      </p:cBhvr>
+                                      <p:to>
+                                        <p:strVal val="visible"/>
+                                      </p:to>
+                                    </p:set>
+                                    <p:animEffect transition="in" filter="fade">
+                                      <p:cBhvr>
+                                        <p:cTn id="34" dur="1000"/>
+                                        <p:tgtEl>
+                                          <p:spTgt spid="3">
+                                            <p:txEl>
+                                              <p:pRg st="6" end="6"/>
+                                            </p:txEl>
+                                          </p:spTgt>
+                                        </p:tgtEl>
+                                      </p:cBhvr>
+                                    </p:animEffect>
+                                    <p:anim calcmode="lin" valueType="num">
+                                      <p:cBhvr>
+                                        <p:cTn id="35" dur="1000" fill="hold"/>
+                                        <p:tgtEl>
+                                          <p:spTgt spid="3">
+                                            <p:txEl>
+                                              <p:pRg st="6" end="6"/>
+                                            </p:txEl>
+                                          </p:spTgt>
+                                        </p:tgtEl>
+                                        <p:attrNameLst>
+                                          <p:attrName>ppt_x</p:attrName>
+                                        </p:attrNameLst>
+                                      </p:cBhvr>
+                                      <p:tavLst>
+                                        <p:tav tm="0">
+                                          <p:val>
+                                            <p:strVal val="#ppt_x"/>
+                                          </p:val>
+                                        </p:tav>
+                                        <p:tav tm="100000">
+                                          <p:val>
+                                            <p:strVal val="#ppt_x"/>
+                                          </p:val>
+                                        </p:tav>
+                                      </p:tavLst>
+                                    </p:anim>
+                                    <p:anim calcmode="lin" valueType="num">
+                                      <p:cBhvr>
+                                        <p:cTn id="36" dur="1000" fill="hold"/>
+                                        <p:tgtEl>
+                                          <p:spTgt spid="3">
+                                            <p:txEl>
+                                              <p:pRg st="6" end="6"/>
+                                            </p:txEl>
+                                          </p:spTgt>
+                                        </p:tgtEl>
+                                        <p:attrNameLst>
+                                          <p:attrName>ppt_y</p:attrName>
+                                        </p:attrNameLst>
+                                      </p:cBhvr>
+                                      <p:tavLst>
+                                        <p:tav tm="0">
+                                          <p:val>
+                                            <p:strVal val="#ppt_y+.1"/>
+                                          </p:val>
+                                        </p:tav>
+                                        <p:tav tm="100000">
+                                          <p:val>
+                                            <p:strVal val="#ppt_y"/>
+                                          </p:val>
+                                        </p:tav>
+                                      </p:tavLst>
+                                    </p:anim>
+                                  </p:childTnLst>
+                                </p:cTn>
+                              </p:par>
+                              <p:par>
+                                <p:cTn id="37" presetID="42" presetClass="entr" presetSubtype="0" fill="hold" grpId="0" nodeType="withEffect">
+                                  <p:stCondLst>
+                                    <p:cond delay="0"/>
+                                  </p:stCondLst>
+                                  <p:childTnLst>
+                                    <p:set>
+                                      <p:cBhvr>
+                                        <p:cTn id="38" dur="1" fill="hold">
+                                          <p:stCondLst>
+                                            <p:cond delay="0"/>
+                                          </p:stCondLst>
+                                        </p:cTn>
+                                        <p:tgtEl>
+                                          <p:spTgt spid="3">
+                                            <p:txEl>
+                                              <p:pRg st="7" end="7"/>
+                                            </p:txEl>
+                                          </p:spTgt>
+                                        </p:tgtEl>
+                                        <p:attrNameLst>
+                                          <p:attrName>style.visibility</p:attrName>
+                                        </p:attrNameLst>
+                                      </p:cBhvr>
+                                      <p:to>
+                                        <p:strVal val="visible"/>
+                                      </p:to>
+                                    </p:set>
+                                    <p:animEffect transition="in" filter="fade">
+                                      <p:cBhvr>
+                                        <p:cTn id="39" dur="1000"/>
+                                        <p:tgtEl>
+                                          <p:spTgt spid="3">
+                                            <p:txEl>
+                                              <p:pRg st="7" end="7"/>
+                                            </p:txEl>
+                                          </p:spTgt>
+                                        </p:tgtEl>
+                                      </p:cBhvr>
+                                    </p:animEffect>
+                                    <p:anim calcmode="lin" valueType="num">
+                                      <p:cBhvr>
+                                        <p:cTn id="40" dur="1000" fill="hold"/>
+                                        <p:tgtEl>
+                                          <p:spTgt spid="3">
+                                            <p:txEl>
+                                              <p:pRg st="7" end="7"/>
+                                            </p:txEl>
+                                          </p:spTgt>
+                                        </p:tgtEl>
+                                        <p:attrNameLst>
+                                          <p:attrName>ppt_x</p:attrName>
+                                        </p:attrNameLst>
+                                      </p:cBhvr>
+                                      <p:tavLst>
+                                        <p:tav tm="0">
+                                          <p:val>
+                                            <p:strVal val="#ppt_x"/>
+                                          </p:val>
+                                        </p:tav>
+                                        <p:tav tm="100000">
+                                          <p:val>
+                                            <p:strVal val="#ppt_x"/>
+                                          </p:val>
+                                        </p:tav>
+                                      </p:tavLst>
+                                    </p:anim>
+                                    <p:anim calcmode="lin" valueType="num">
+                                      <p:cBhvr>
+                                        <p:cTn id="41" dur="1000" fill="hold"/>
+                                        <p:tgtEl>
+                                          <p:spTgt spid="3">
+                                            <p:txEl>
+                                              <p:pRg st="7" end="7"/>
+                                            </p:txEl>
+                                          </p:spTgt>
+                                        </p:tgtEl>
+                                        <p:attrNameLst>
+                                          <p:attrName>ppt_y</p:attrName>
+                                        </p:attrNameLst>
+                                      </p:cBhvr>
+                                      <p:tavLst>
+                                        <p:tav tm="0">
+                                          <p:val>
+                                            <p:strVal val="#ppt_y+.1"/>
+                                          </p:val>
+                                        </p:tav>
+                                        <p:tav tm="100000">
+                                          <p:val>
+                                            <p:strVal val="#ppt_y"/>
+                                          </p:val>
+                                        </p:tav>
+                                      </p:tavLst>
+                                    </p:anim>
+                                  </p:childTnLst>
+                                </p:cTn>
+                              </p:par>
+                            </p:childTnLst>
+                          </p:cTn>
+                        </p:par>
+                      </p:childTnLst>
+                    </p:cTn>
+                  </p:par>
+                </p:childTnLst>
+              </p:cTn>
+              <p:prevCondLst>
+                <p:cond evt="onPrev" delay="0">
+                  <p:tgtEl>
+                    <p:sldTgt/>
+                  </p:tgtEl>
+                </p:cond>
+              </p:prevCondLst>
+              <p:nextCondLst>
+                <p:cond evt="onNext" delay="0">
+                  <p:tgtEl>
+                    <p:sldTgt/>
+                  </p:tgtEl>
+                </p:cond>
+              </p:nextCondLst>
+            </p:seq>
+          </p:childTnLst>
+        </p:cTn>
+      </p:par>
+    </p:tnLst>
+    <p:bldLst>
+      <p:bldP spid="3" grpId="0" uiExpand="1" build="p"/>
+    </p:bldLst>
+  </p:timing>
+</p:sld>
+</file>
+
+<file path=ppt/slides/slide4.xml><?xml version="1.0" encoding="utf-8"?>
+<p:sld xmlns:a="http://schemas.openxmlformats.org/drawingml/2006/main" xmlns:r="http://schemas.openxmlformats.org/officeDocument/2006/relationships" xmlns:p="http://schemas.openxmlformats.org/presentationml/2006/main">
+  <p:cSld>
+    <p:spTree>
+      <p:nvGrpSpPr>
+        <p:cNvPr id="1" name=""/>
+        <p:cNvGrpSpPr/>
+        <p:nvPr/>
+      </p:nvGrpSpPr>
+      <p:grpSpPr>
+        <a:xfrm>
+          <a:off x="0" y="0"/>
+          <a:ext cx="0" cy="0"/>
+          <a:chOff x="0" y="0"/>
+          <a:chExt cx="0" cy="0"/>
+        </a:xfrm>
+      </p:grpSpPr>
+      <p:sp>
+        <p:nvSpPr>
+          <p:cNvPr id="2" name="Title 1"/>
+          <p:cNvSpPr>
+            <a:spLocks noGrp="1"/>
+          </p:cNvSpPr>
+          <p:nvPr>
+            <p:ph type="title"/>
+          </p:nvPr>
+        </p:nvSpPr>
+        <p:spPr/>
+        <p:txBody>
+          <a:bodyPr/>
+          <a:lstStyle/>
+          <a:p>
+            <a:r>
+              <a:rPr lang="en-CA" dirty="0" smtClean="0"/>
+              <a:t>Our Solution</a:t>
+            </a:r>
+            <a:endParaRPr lang="en-US" dirty="0"/>
+          </a:p>
+        </p:txBody>
+      </p:sp>
+      <p:sp>
+        <p:nvSpPr>
+          <p:cNvPr id="3" name="Content Placeholder 2"/>
+          <p:cNvSpPr>
+            <a:spLocks noGrp="1"/>
+          </p:cNvSpPr>
+          <p:nvPr>
+            <p:ph idx="1"/>
+          </p:nvPr>
+        </p:nvSpPr>
+        <p:spPr/>
+        <p:txBody>
+          <a:bodyPr/>
+          <a:lstStyle/>
+          <a:p>
+            <a:r>
+              <a:rPr lang="en-CA" dirty="0" smtClean="0"/>
+              <a:t>Robust Reporting System</a:t>
+            </a:r>
+          </a:p>
+          <a:p>
+            <a:r>
+              <a:rPr lang="en-CA" dirty="0" smtClean="0"/>
+              <a:t>Flexible Weekly Production Schedule Tracker</a:t>
+            </a:r>
+          </a:p>
+          <a:p>
+            <a:r>
+              <a:rPr lang="en-CA" dirty="0" smtClean="0"/>
+              <a:t>Production Data Management</a:t>
+            </a:r>
+          </a:p>
+          <a:p>
+            <a:r>
+              <a:rPr lang="en-CA" dirty="0" smtClean="0"/>
+              <a:t>Application Security and Administration</a:t>
+            </a:r>
+            <a:endParaRPr lang="en-US" dirty="0"/>
+          </a:p>
+        </p:txBody>
+      </p:sp>
+    </p:spTree>
+    <p:extLst>
+      <p:ext uri="{BB962C8B-B14F-4D97-AF65-F5344CB8AC3E}">
+        <p14:creationId xmlns:p14="http://schemas.microsoft.com/office/powerpoint/2010/main" val="1500524368"/>
+      </p:ext>
+    </p:extLst>
+  </p:cSld>
+  <p:clrMapOvr>
+    <a:masterClrMapping/>
+  </p:clrMapOvr>
+  <p:timing>
+    <p:tnLst>
+      <p:par>
+        <p:cTn id="1" dur="indefinite" restart="never" nodeType="tmRoot">
+          <p:childTnLst>
+            <p:seq concurrent="1" nextAc="seek">
+              <p:cTn id="2" dur="indefinite" nodeType="mainSeq">
+                <p:childTnLst>
+                  <p:par>
+                    <p:cTn id="3" fill="hold">
+                      <p:stCondLst>
+                        <p:cond delay="indefinite"/>
+                      </p:stCondLst>
+                      <p:childTnLst>
+                        <p:par>
+                          <p:cTn id="4" fill="hold">
+                            <p:stCondLst>
+                              <p:cond delay="0"/>
+                            </p:stCondLst>
+                            <p:childTnLst>
+                              <p:par>
+                                <p:cTn id="5" presetID="42" presetClass="entr" presetSubtype="0" fill="hold" grpId="0" nodeType="clickEffect">
+                                  <p:stCondLst>
+                                    <p:cond delay="0"/>
+                                  </p:stCondLst>
+                                  <p:childTnLst>
+                                    <p:set>
+                                      <p:cBhvr>
+                                        <p:cTn id="6" dur="1" fill="hold">
+                                          <p:stCondLst>
+                                            <p:cond delay="0"/>
+                                          </p:stCondLst>
+                                        </p:cTn>
+                                        <p:tgtEl>
+                                          <p:spTgt spid="3">
+                                            <p:txEl>
+                                              <p:pRg st="0" end="0"/>
+                                            </p:txEl>
+                                          </p:spTgt>
+                                        </p:tgtEl>
+                                        <p:attrNameLst>
+                                          <p:attrName>style.visibility</p:attrName>
+                                        </p:attrNameLst>
+                                      </p:cBhvr>
+                                      <p:to>
+                                        <p:strVal val="visible"/>
+                                      </p:to>
+                                    </p:set>
+                                    <p:animEffect transition="in" filter="fade">
+                                      <p:cBhvr>
+                                        <p:cTn id="7" dur="1000"/>
+                                        <p:tgtEl>
+                                          <p:spTgt spid="3">
+                                            <p:txEl>
+                                              <p:pRg st="0" end="0"/>
+                                            </p:txEl>
+                                          </p:spTgt>
+                                        </p:tgtEl>
+                                      </p:cBhvr>
+                                    </p:animEffect>
+                                    <p:anim calcmode="lin" valueType="num">
+                                      <p:cBhvr>
+                                        <p:cTn id="8" dur="1000" fill="hold"/>
+                                        <p:tgtEl>
+                                          <p:spTgt spid="3">
+                                            <p:txEl>
+                                              <p:pRg st="0" end="0"/>
+                                            </p:txEl>
+                                          </p:spTgt>
+                                        </p:tgtEl>
+                                        <p:attrNameLst>
+                                          <p:attrName>ppt_x</p:attrName>
+                                        </p:attrNameLst>
+                                      </p:cBhvr>
+                                      <p:tavLst>
+                                        <p:tav tm="0">
+                                          <p:val>
+                                            <p:strVal val="#ppt_x"/>
+                                          </p:val>
+                                        </p:tav>
+                                        <p:tav tm="100000">
+                                          <p:val>
+                                            <p:strVal val="#ppt_x"/>
+                                          </p:val>
+                                        </p:tav>
+                                      </p:tavLst>
+                                    </p:anim>
+                                    <p:anim calcmode="lin" valueType="num">
+                                      <p:cBhvr>
+                                        <p:cTn id="9" dur="1000" fill="hold"/>
+                                        <p:tgtEl>
+                                          <p:spTgt spid="3">
+                                            <p:txEl>
+                                              <p:pRg st="0" end="0"/>
+                                            </p:txEl>
+                                          </p:spTgt>
+                                        </p:tgtEl>
+                                        <p:attrNameLst>
+                                          <p:attrName>ppt_y</p:attrName>
+                                        </p:attrNameLst>
+                                      </p:cBhvr>
+                                      <p:tavLst>
+                                        <p:tav tm="0">
+                                          <p:val>
+                                            <p:strVal val="#ppt_y+.1"/>
+                                          </p:val>
+                                        </p:tav>
+                                        <p:tav tm="100000">
+                                          <p:val>
+                                            <p:strVal val="#ppt_y"/>
+                                          </p:val>
+                                        </p:tav>
+                                      </p:tavLst>
+                                    </p:anim>
+                                  </p:childTnLst>
+                                </p:cTn>
+                              </p:par>
+                            </p:childTnLst>
+                          </p:cTn>
+                        </p:par>
+                      </p:childTnLst>
+                    </p:cTn>
+                  </p:par>
+                  <p:par>
+                    <p:cTn id="10" fill="hold">
+                      <p:stCondLst>
+                        <p:cond delay="indefinite"/>
+                      </p:stCondLst>
+                      <p:childTnLst>
+                        <p:par>
+                          <p:cTn id="11" fill="hold">
+                            <p:stCondLst>
+                              <p:cond delay="0"/>
+                            </p:stCondLst>
+                            <p:childTnLst>
+                              <p:par>
+                                <p:cTn id="12" presetID="42" presetClass="entr" presetSubtype="0" fill="hold" grpId="0" nodeType="clickEffect">
+                                  <p:stCondLst>
+                                    <p:cond delay="0"/>
+                                  </p:stCondLst>
+                                  <p:childTnLst>
+                                    <p:set>
+                                      <p:cBhvr>
+                                        <p:cTn id="13" dur="1" fill="hold">
+                                          <p:stCondLst>
+                                            <p:cond delay="0"/>
+                                          </p:stCondLst>
+                                        </p:cTn>
+                                        <p:tgtEl>
+                                          <p:spTgt spid="3">
+                                            <p:txEl>
+                                              <p:pRg st="1" end="1"/>
+                                            </p:txEl>
+                                          </p:spTgt>
+                                        </p:tgtEl>
+                                        <p:attrNameLst>
+                                          <p:attrName>style.visibility</p:attrName>
+                                        </p:attrNameLst>
+                                      </p:cBhvr>
+                                      <p:to>
+                                        <p:strVal val="visible"/>
+                                      </p:to>
+                                    </p:set>
+                                    <p:animEffect transition="in" filter="fade">
+                                      <p:cBhvr>
+                                        <p:cTn id="14" dur="1000"/>
+                                        <p:tgtEl>
+                                          <p:spTgt spid="3">
+                                            <p:txEl>
+                                              <p:pRg st="1" end="1"/>
+                                            </p:txEl>
+                                          </p:spTgt>
+                                        </p:tgtEl>
+                                      </p:cBhvr>
+                                    </p:animEffect>
+                                    <p:anim calcmode="lin" valueType="num">
+                                      <p:cBhvr>
+                                        <p:cTn id="15" dur="1000" fill="hold"/>
+                                        <p:tgtEl>
+                                          <p:spTgt spid="3">
+                                            <p:txEl>
+                                              <p:pRg st="1" end="1"/>
+                                            </p:txEl>
+                                          </p:spTgt>
+                                        </p:tgtEl>
+                                        <p:attrNameLst>
+                                          <p:attrName>ppt_x</p:attrName>
+                                        </p:attrNameLst>
+                                      </p:cBhvr>
+                                      <p:tavLst>
+                                        <p:tav tm="0">
+                                          <p:val>
+                                            <p:strVal val="#ppt_x"/>
+                                          </p:val>
+                                        </p:tav>
+                                        <p:tav tm="100000">
+                                          <p:val>
+                                            <p:strVal val="#ppt_x"/>
+                                          </p:val>
+                                        </p:tav>
+                                      </p:tavLst>
+                                    </p:anim>
+                                    <p:anim calcmode="lin" valueType="num">
+                                      <p:cBhvr>
+                                        <p:cTn id="16" dur="1000" fill="hold"/>
+                                        <p:tgtEl>
+                                          <p:spTgt spid="3">
+                                            <p:txEl>
+                                              <p:pRg st="1" end="1"/>
+                                            </p:txEl>
+                                          </p:spTgt>
+                                        </p:tgtEl>
+                                        <p:attrNameLst>
+                                          <p:attrName>ppt_y</p:attrName>
+                                        </p:attrNameLst>
+                                      </p:cBhvr>
+                                      <p:tavLst>
+                                        <p:tav tm="0">
+                                          <p:val>
+                                            <p:strVal val="#ppt_y+.1"/>
+                                          </p:val>
+                                        </p:tav>
+                                        <p:tav tm="100000">
+                                          <p:val>
+                                            <p:strVal val="#ppt_y"/>
+                                          </p:val>
+                                        </p:tav>
+                                      </p:tavLst>
+                                    </p:anim>
+                                  </p:childTnLst>
+                                </p:cTn>
+                              </p:par>
+                            </p:childTnLst>
+                          </p:cTn>
+                        </p:par>
+                      </p:childTnLst>
+                    </p:cTn>
+                  </p:par>
+                  <p:par>
+                    <p:cTn id="17" fill="hold">
+                      <p:stCondLst>
+                        <p:cond delay="indefinite"/>
+                      </p:stCondLst>
+                      <p:childTnLst>
+                        <p:par>
+                          <p:cTn id="18" fill="hold">
+                            <p:stCondLst>
+                              <p:cond delay="0"/>
+                            </p:stCondLst>
+                            <p:childTnLst>
+                              <p:par>
+                                <p:cTn id="19" presetID="42" presetClass="entr" presetSubtype="0" fill="hold" grpId="0" nodeType="clickEffect">
+                                  <p:stCondLst>
+                                    <p:cond delay="0"/>
+                                  </p:stCondLst>
+                                  <p:childTnLst>
+                                    <p:set>
+                                      <p:cBhvr>
+                                        <p:cTn id="20" dur="1" fill="hold">
+                                          <p:stCondLst>
+                                            <p:cond delay="0"/>
+                                          </p:stCondLst>
+                                        </p:cTn>
+                                        <p:tgtEl>
+                                          <p:spTgt spid="3">
+                                            <p:txEl>
+                                              <p:pRg st="2" end="2"/>
+                                            </p:txEl>
+                                          </p:spTgt>
+                                        </p:tgtEl>
+                                        <p:attrNameLst>
+                                          <p:attrName>style.visibility</p:attrName>
+                                        </p:attrNameLst>
+                                      </p:cBhvr>
+                                      <p:to>
+                                        <p:strVal val="visible"/>
+                                      </p:to>
+                                    </p:set>
+                                    <p:animEffect transition="in" filter="fade">
+                                      <p:cBhvr>
+                                        <p:cTn id="21" dur="1000"/>
+                                        <p:tgtEl>
+                                          <p:spTgt spid="3">
+                                            <p:txEl>
+                                              <p:pRg st="2" end="2"/>
+                                            </p:txEl>
+                                          </p:spTgt>
+                                        </p:tgtEl>
+                                      </p:cBhvr>
+                                    </p:animEffect>
+                                    <p:anim calcmode="lin" valueType="num">
+                                      <p:cBhvr>
+                                        <p:cTn id="22" dur="1000" fill="hold"/>
+                                        <p:tgtEl>
+                                          <p:spTgt spid="3">
+                                            <p:txEl>
+                                              <p:pRg st="2" end="2"/>
+                                            </p:txEl>
+                                          </p:spTgt>
+                                        </p:tgtEl>
+                                        <p:attrNameLst>
+                                          <p:attrName>ppt_x</p:attrName>
+                                        </p:attrNameLst>
+                                      </p:cBhvr>
+                                      <p:tavLst>
+                                        <p:tav tm="0">
+                                          <p:val>
+                                            <p:strVal val="#ppt_x"/>
+                                          </p:val>
+                                        </p:tav>
+                                        <p:tav tm="100000">
+                                          <p:val>
+                                            <p:strVal val="#ppt_x"/>
+                                          </p:val>
+                                        </p:tav>
+                                      </p:tavLst>
+                                    </p:anim>
+                                    <p:anim calcmode="lin" valueType="num">
+                                      <p:cBhvr>
+                                        <p:cTn id="23" dur="1000" fill="hold"/>
+                                        <p:tgtEl>
+                                          <p:spTgt spid="3">
+                                            <p:txEl>
+                                              <p:pRg st="2" end="2"/>
+                                            </p:txEl>
+                                          </p:spTgt>
+                                        </p:tgtEl>
+                                        <p:attrNameLst>
+                                          <p:attrName>ppt_y</p:attrName>
+                                        </p:attrNameLst>
+                                      </p:cBhvr>
+                                      <p:tavLst>
+                                        <p:tav tm="0">
+                                          <p:val>
+                                            <p:strVal val="#ppt_y+.1"/>
+                                          </p:val>
+                                        </p:tav>
+                                        <p:tav tm="100000">
+                                          <p:val>
+                                            <p:strVal val="#ppt_y"/>
+                                          </p:val>
+                                        </p:tav>
+                                      </p:tavLst>
+                                    </p:anim>
+                                  </p:childTnLst>
+                                </p:cTn>
+                              </p:par>
+                            </p:childTnLst>
+                          </p:cTn>
+                        </p:par>
+                      </p:childTnLst>
+                    </p:cTn>
+                  </p:par>
+                  <p:par>
+                    <p:cTn id="24" fill="hold">
+                      <p:stCondLst>
+                        <p:cond delay="indefinite"/>
+                      </p:stCondLst>
+                      <p:childTnLst>
+                        <p:par>
+                          <p:cTn id="25" fill="hold">
+                            <p:stCondLst>
+                              <p:cond delay="0"/>
+                            </p:stCondLst>
+                            <p:childTnLst>
+                              <p:par>
+                                <p:cTn id="26" presetID="42" presetClass="entr" presetSubtype="0" fill="hold" grpId="0" nodeType="clickEffect">
+                                  <p:stCondLst>
+                                    <p:cond delay="0"/>
+                                  </p:stCondLst>
+                                  <p:childTnLst>
+                                    <p:set>
+                                      <p:cBhvr>
+                                        <p:cTn id="27" dur="1" fill="hold">
+                                          <p:stCondLst>
+                                            <p:cond delay="0"/>
+                                          </p:stCondLst>
+                                        </p:cTn>
+                                        <p:tgtEl>
+                                          <p:spTgt spid="3">
+                                            <p:txEl>
+                                              <p:pRg st="3" end="3"/>
+                                            </p:txEl>
+                                          </p:spTgt>
+                                        </p:tgtEl>
+                                        <p:attrNameLst>
+                                          <p:attrName>style.visibility</p:attrName>
+                                        </p:attrNameLst>
+                                      </p:cBhvr>
+                                      <p:to>
+                                        <p:strVal val="visible"/>
+                                      </p:to>
+                                    </p:set>
+                                    <p:animEffect transition="in" filter="fade">
+                                      <p:cBhvr>
+                                        <p:cTn id="28" dur="1000"/>
+                                        <p:tgtEl>
+                                          <p:spTgt spid="3">
+                                            <p:txEl>
+                                              <p:pRg st="3" end="3"/>
+                                            </p:txEl>
+                                          </p:spTgt>
+                                        </p:tgtEl>
+                                      </p:cBhvr>
+                                    </p:animEffect>
+                                    <p:anim calcmode="lin" valueType="num">
+                                      <p:cBhvr>
+                                        <p:cTn id="29" dur="1000" fill="hold"/>
+                                        <p:tgtEl>
+                                          <p:spTgt spid="3">
+                                            <p:txEl>
+                                              <p:pRg st="3" end="3"/>
+                                            </p:txEl>
+                                          </p:spTgt>
+                                        </p:tgtEl>
+                                        <p:attrNameLst>
+                                          <p:attrName>ppt_x</p:attrName>
+                                        </p:attrNameLst>
+                                      </p:cBhvr>
+                                      <p:tavLst>
+                                        <p:tav tm="0">
+                                          <p:val>
+                                            <p:strVal val="#ppt_x"/>
+                                          </p:val>
+                                        </p:tav>
+                                        <p:tav tm="100000">
+                                          <p:val>
+                                            <p:strVal val="#ppt_x"/>
+                                          </p:val>
+                                        </p:tav>
+                                      </p:tavLst>
+                                    </p:anim>
+                                    <p:anim calcmode="lin" valueType="num">
+                                      <p:cBhvr>
+                                        <p:cTn id="30" dur="1000" fill="hold"/>
+                                        <p:tgtEl>
+                                          <p:spTgt spid="3">
+                                            <p:txEl>
+                                              <p:pRg st="3" end="3"/>
+                                            </p:txEl>
+                                          </p:spTgt>
+                                        </p:tgtEl>
+                                        <p:attrNameLst>
+                                          <p:attrName>ppt_y</p:attrName>
+                                        </p:attrNameLst>
+                                      </p:cBhvr>
+                                      <p:tavLst>
+                                        <p:tav tm="0">
+                                          <p:val>
+                                            <p:strVal val="#ppt_y+.1"/>
+                                          </p:val>
+                                        </p:tav>
+                                        <p:tav tm="100000">
+                                          <p:val>
+                                            <p:strVal val="#ppt_y"/>
+                                          </p:val>
+                                        </p:tav>
+                                      </p:tavLst>
+                                    </p:anim>
+                                  </p:childTnLst>
+                                </p:cTn>
+                              </p:par>
+                            </p:childTnLst>
+                          </p:cTn>
+                        </p:par>
+                      </p:childTnLst>
+                    </p:cTn>
+                  </p:par>
+                </p:childTnLst>
+              </p:cTn>
+              <p:prevCondLst>
+                <p:cond evt="onPrev" delay="0">
+                  <p:tgtEl>
+                    <p:sldTgt/>
+                  </p:tgtEl>
+                </p:cond>
+              </p:prevCondLst>
+              <p:nextCondLst>
+                <p:cond evt="onNext" delay="0">
+                  <p:tgtEl>
+                    <p:sldTgt/>
+                  </p:tgtEl>
+                </p:cond>
+              </p:nextCondLst>
+            </p:seq>
+          </p:childTnLst>
+        </p:cTn>
+      </p:par>
+    </p:tnLst>
+    <p:bldLst>
+      <p:bldP spid="3" grpId="0" build="p"/>
+    </p:bldLst>
+  </p:timing>
 </p:sld>
 </file>
 
